--- a/docs/diagrams/ItineraryAttraction.pptx
+++ b/docs/diagrams/ItineraryAttraction.pptx
@@ -104,6 +104,11 @@
       </a:defRPr>
     </a:lvl9pPr>
   </p:defaultTextStyle>
+  <p:extLst>
+    <p:ext uri="{EFAFB233-063F-42B5-8137-9DF3F51BA10A}">
+      <p15:sldGuideLst xmlns:p15="http://schemas.microsoft.com/office/powerpoint/2012/main"/>
+    </p:ext>
+  </p:extLst>
 </p:presentation>
 </file>
 
@@ -3357,7 +3362,7 @@
         <p:spPr>
           <a:xfrm>
             <a:off x="360469" y="248577"/>
-            <a:ext cx="9928749" cy="6249880"/>
+            <a:ext cx="9928749" cy="5672826"/>
           </a:xfrm>
           <a:prstGeom prst="roundRect">
             <a:avLst>
@@ -3411,7 +3416,7 @@
         <p:spPr>
           <a:xfrm>
             <a:off x="550414" y="674705"/>
-            <a:ext cx="4705165" cy="5662875"/>
+            <a:ext cx="4705165" cy="5140019"/>
           </a:xfrm>
           <a:prstGeom prst="roundRect">
             <a:avLst>
@@ -3465,7 +3470,7 @@
         <p:spPr>
           <a:xfrm>
             <a:off x="5708340" y="674705"/>
-            <a:ext cx="4382690" cy="5662875"/>
+            <a:ext cx="4382690" cy="5140019"/>
           </a:xfrm>
           <a:prstGeom prst="roundRect">
             <a:avLst>
@@ -3519,7 +3524,7 @@
         <p:spPr>
           <a:xfrm>
             <a:off x="5939160" y="1047567"/>
-            <a:ext cx="3929409" cy="2481308"/>
+            <a:ext cx="3929409" cy="4661544"/>
           </a:xfrm>
           <a:prstGeom prst="roundRect">
             <a:avLst>
@@ -3565,60 +3570,6 @@
       </p:sp>
       <p:sp>
         <p:nvSpPr>
-          <p:cNvPr id="8" name="Rectangle: Rounded Corners 7">
-            <a:extLst>
-              <a:ext uri="{FF2B5EF4-FFF2-40B4-BE49-F238E27FC236}">
-                <a16:creationId xmlns:a16="http://schemas.microsoft.com/office/drawing/2014/main" id="{E1D7ACEC-3656-46E1-A88C-1BC9D9686E2D}"/>
-              </a:ext>
-            </a:extLst>
-          </p:cNvPr>
-          <p:cNvSpPr/>
-          <p:nvPr/>
-        </p:nvSpPr>
-        <p:spPr>
-          <a:xfrm>
-            <a:off x="5948814" y="3639393"/>
-            <a:ext cx="3929409" cy="2537935"/>
-          </a:xfrm>
-          <a:prstGeom prst="roundRect">
-            <a:avLst>
-              <a:gd name="adj" fmla="val 8272"/>
-            </a:avLst>
-          </a:prstGeom>
-          <a:solidFill>
-            <a:schemeClr val="accent6">
-              <a:lumMod val="60000"/>
-              <a:lumOff val="40000"/>
-            </a:schemeClr>
-          </a:solidFill>
-        </p:spPr>
-        <p:style>
-          <a:lnRef idx="2">
-            <a:schemeClr val="accent2">
-              <a:shade val="50000"/>
-            </a:schemeClr>
-          </a:lnRef>
-          <a:fillRef idx="1">
-            <a:schemeClr val="accent2"/>
-          </a:fillRef>
-          <a:effectRef idx="0">
-            <a:schemeClr val="accent2"/>
-          </a:effectRef>
-          <a:fontRef idx="minor">
-            <a:schemeClr val="lt1"/>
-          </a:fontRef>
-        </p:style>
-        <p:txBody>
-          <a:bodyPr rtlCol="0" anchor="ctr"/>
-          <a:lstStyle/>
-          <a:p>
-            <a:pPr algn="ctr"/>
-            <a:endParaRPr lang="en-SG"/>
-          </a:p>
-        </p:txBody>
-      </p:sp>
-      <p:sp>
-        <p:nvSpPr>
           <p:cNvPr id="9" name="TextBox 8">
             <a:extLst>
               <a:ext uri="{FF2B5EF4-FFF2-40B4-BE49-F238E27FC236}">
@@ -3771,44 +3722,6 @@
                 <a:cs typeface="Segoe UI" panose="020B0502040204020203" pitchFamily="34" charset="0"/>
               </a:rPr>
               <a:t>Itinerary 1</a:t>
-            </a:r>
-          </a:p>
-        </p:txBody>
-      </p:sp>
-      <p:sp>
-        <p:nvSpPr>
-          <p:cNvPr id="17" name="TextBox 16">
-            <a:extLst>
-              <a:ext uri="{FF2B5EF4-FFF2-40B4-BE49-F238E27FC236}">
-                <a16:creationId xmlns:a16="http://schemas.microsoft.com/office/drawing/2014/main" id="{8C56E851-9EA8-42B6-AC9E-66E9578FD1EF}"/>
-              </a:ext>
-            </a:extLst>
-          </p:cNvPr>
-          <p:cNvSpPr txBox="1"/>
-          <p:nvPr/>
-        </p:nvSpPr>
-        <p:spPr>
-          <a:xfrm>
-            <a:off x="5948814" y="3611903"/>
-            <a:ext cx="1216615" cy="369332"/>
-          </a:xfrm>
-          <a:prstGeom prst="rect">
-            <a:avLst/>
-          </a:prstGeom>
-          <a:noFill/>
-        </p:spPr>
-        <p:txBody>
-          <a:bodyPr wrap="none" rtlCol="0">
-            <a:spAutoFit/>
-          </a:bodyPr>
-          <a:lstStyle/>
-          <a:p>
-            <a:r>
-              <a:rPr lang="en-SG" dirty="0">
-                <a:latin typeface="Segoe UI" panose="020B0502040204020203" pitchFamily="34" charset="0"/>
-                <a:cs typeface="Segoe UI" panose="020B0502040204020203" pitchFamily="34" charset="0"/>
-              </a:rPr>
-              <a:t>Itinerary 2</a:t>
             </a:r>
           </a:p>
         </p:txBody>
@@ -4394,7 +4307,7 @@
         </p:nvSpPr>
         <p:spPr>
           <a:xfrm>
-            <a:off x="6096000" y="4068431"/>
+            <a:off x="6096000" y="3526894"/>
             <a:ext cx="3559946" cy="926807"/>
           </a:xfrm>
           <a:prstGeom prst="roundRect">
@@ -4438,7 +4351,7 @@
         </p:nvSpPr>
         <p:spPr>
           <a:xfrm>
-            <a:off x="6096000" y="4034228"/>
+            <a:off x="6096000" y="3492691"/>
             <a:ext cx="3559946" cy="625021"/>
           </a:xfrm>
           <a:prstGeom prst="roundRect">
@@ -4482,7 +4395,7 @@
         </p:nvSpPr>
         <p:spPr>
           <a:xfrm>
-            <a:off x="6096000" y="4090619"/>
+            <a:off x="6096000" y="3549082"/>
             <a:ext cx="1521763" cy="369332"/>
           </a:xfrm>
           <a:prstGeom prst="rect">
@@ -4523,7 +4436,7 @@
         </p:nvSpPr>
         <p:spPr>
           <a:xfrm>
-            <a:off x="6117928" y="5124289"/>
+            <a:off x="6117928" y="4582752"/>
             <a:ext cx="3559946" cy="926807"/>
           </a:xfrm>
           <a:prstGeom prst="roundRect">
@@ -4567,7 +4480,7 @@
         </p:nvSpPr>
         <p:spPr>
           <a:xfrm>
-            <a:off x="6117928" y="5090086"/>
+            <a:off x="6117928" y="4548549"/>
             <a:ext cx="3559946" cy="625021"/>
           </a:xfrm>
           <a:prstGeom prst="roundRect">
@@ -4611,7 +4524,7 @@
         </p:nvSpPr>
         <p:spPr>
           <a:xfrm>
-            <a:off x="6117928" y="5146477"/>
+            <a:off x="6117928" y="4604940"/>
             <a:ext cx="1540999" cy="369332"/>
           </a:xfrm>
           <a:prstGeom prst="rect">
@@ -4696,7 +4609,7 @@
         </p:nvSpPr>
         <p:spPr>
           <a:xfrm>
-            <a:off x="787042" y="4044939"/>
+            <a:off x="787042" y="3485644"/>
             <a:ext cx="3559946" cy="603598"/>
           </a:xfrm>
           <a:prstGeom prst="roundRect">
@@ -4740,7 +4653,7 @@
         </p:nvSpPr>
         <p:spPr>
           <a:xfrm>
-            <a:off x="787042" y="5090086"/>
+            <a:off x="787042" y="4530791"/>
             <a:ext cx="3559946" cy="603598"/>
           </a:xfrm>
           <a:prstGeom prst="roundRect">
@@ -4825,7 +4738,7 @@
         </p:nvSpPr>
         <p:spPr>
           <a:xfrm>
-            <a:off x="797205" y="4063411"/>
+            <a:off x="797205" y="3504116"/>
             <a:ext cx="1403141" cy="369332"/>
           </a:xfrm>
           <a:prstGeom prst="rect">
@@ -4866,7 +4779,7 @@
         </p:nvSpPr>
         <p:spPr>
           <a:xfrm>
-            <a:off x="775315" y="5090086"/>
+            <a:off x="775315" y="4530791"/>
             <a:ext cx="1403141" cy="369332"/>
           </a:xfrm>
           <a:prstGeom prst="rect">
@@ -4989,7 +4902,7 @@
         </p:nvSpPr>
         <p:spPr>
           <a:xfrm>
-            <a:off x="6085212" y="4662708"/>
+            <a:off x="6085212" y="4121171"/>
             <a:ext cx="1360694" cy="307777"/>
           </a:xfrm>
           <a:prstGeom prst="rect">
@@ -5030,7 +4943,7 @@
         </p:nvSpPr>
         <p:spPr>
           <a:xfrm>
-            <a:off x="6117928" y="5715107"/>
+            <a:off x="6117928" y="5173570"/>
             <a:ext cx="1360694" cy="307777"/>
           </a:xfrm>
           <a:prstGeom prst="rect">
